--- a/presentation.pptx
+++ b/presentation.pptx
@@ -270,7 +270,7 @@
           <a:p>
             <a:fld id="{308E0ED7-616B-1946-BFAF-3445D103BEB5}" type="datetimeFigureOut">
               <a:rPr lang="en-US" smtClean="0"/>
-              <a:t>4/18/24</a:t>
+              <a:t>4/26/24</a:t>
             </a:fld>
             <a:endParaRPr lang="en-US"/>
           </a:p>
@@ -656,7 +656,7 @@
           <a:ln cap="flat"/>
           <a:extLst>
             <a:ext uri="{FAA26D3D-D897-4be2-8F04-BA451C77F1D7}">
-              <ma14:placeholderFlag xmlns="" xmlns:ma14="http://schemas.microsoft.com/office/mac/drawingml/2011/main" val="1"/>
+              <ma14:placeholderFlag xmlns:ma14="http://schemas.microsoft.com/office/mac/drawingml/2011/main" xmlns="" val="1"/>
             </a:ext>
           </a:extLst>
         </p:spPr>
@@ -818,7 +818,7 @@
           <a:ln cap="flat"/>
           <a:extLst>
             <a:ext uri="{FAA26D3D-D897-4be2-8F04-BA451C77F1D7}">
-              <ma14:placeholderFlag xmlns="" xmlns:ma14="http://schemas.microsoft.com/office/mac/drawingml/2011/main" val="1"/>
+              <ma14:placeholderFlag xmlns:ma14="http://schemas.microsoft.com/office/mac/drawingml/2011/main" xmlns="" val="1"/>
             </a:ext>
           </a:extLst>
         </p:spPr>
@@ -896,7 +896,7 @@
           <a:ln cap="flat"/>
           <a:extLst>
             <a:ext uri="{FAA26D3D-D897-4be2-8F04-BA451C77F1D7}">
-              <ma14:placeholderFlag xmlns:ma14="http://schemas.microsoft.com/office/mac/drawingml/2011/main" xmlns="" val="1"/>
+              <ma14:placeholderFlag xmlns="" xmlns:ma14="http://schemas.microsoft.com/office/mac/drawingml/2011/main" val="1"/>
             </a:ext>
           </a:extLst>
         </p:spPr>
@@ -974,7 +974,7 @@
           <a:ln cap="flat"/>
           <a:extLst>
             <a:ext uri="{FAA26D3D-D897-4be2-8F04-BA451C77F1D7}">
-              <ma14:placeholderFlag xmlns="" xmlns:ma14="http://schemas.microsoft.com/office/mac/drawingml/2011/main" val="1"/>
+              <ma14:placeholderFlag xmlns:ma14="http://schemas.microsoft.com/office/mac/drawingml/2011/main" xmlns="" val="1"/>
             </a:ext>
           </a:extLst>
         </p:spPr>
@@ -1052,7 +1052,7 @@
           <a:ln cap="flat"/>
           <a:extLst>
             <a:ext uri="{FAA26D3D-D897-4be2-8F04-BA451C77F1D7}">
-              <ma14:placeholderFlag xmlns:ma14="http://schemas.microsoft.com/office/mac/drawingml/2011/main" xmlns="" val="1"/>
+              <ma14:placeholderFlag xmlns="" xmlns:ma14="http://schemas.microsoft.com/office/mac/drawingml/2011/main" val="1"/>
             </a:ext>
           </a:extLst>
         </p:spPr>
@@ -1130,7 +1130,7 @@
           <a:ln cap="flat"/>
           <a:extLst>
             <a:ext uri="{FAA26D3D-D897-4be2-8F04-BA451C77F1D7}">
-              <ma14:placeholderFlag xmlns="" xmlns:ma14="http://schemas.microsoft.com/office/mac/drawingml/2011/main" val="1"/>
+              <ma14:placeholderFlag xmlns:ma14="http://schemas.microsoft.com/office/mac/drawingml/2011/main" xmlns="" val="1"/>
             </a:ext>
           </a:extLst>
         </p:spPr>
@@ -1208,7 +1208,7 @@
           <a:ln cap="flat"/>
           <a:extLst>
             <a:ext uri="{FAA26D3D-D897-4be2-8F04-BA451C77F1D7}">
-              <ma14:placeholderFlag xmlns:ma14="http://schemas.microsoft.com/office/mac/drawingml/2011/main" xmlns="" val="1"/>
+              <ma14:placeholderFlag xmlns="" xmlns:ma14="http://schemas.microsoft.com/office/mac/drawingml/2011/main" val="1"/>
             </a:ext>
           </a:extLst>
         </p:spPr>
@@ -1286,7 +1286,7 @@
           <a:ln cap="flat"/>
           <a:extLst>
             <a:ext uri="{FAA26D3D-D897-4be2-8F04-BA451C77F1D7}">
-              <ma14:placeholderFlag xmlns:ma14="http://schemas.microsoft.com/office/mac/drawingml/2011/main" xmlns="" val="1"/>
+              <ma14:placeholderFlag xmlns="" xmlns:ma14="http://schemas.microsoft.com/office/mac/drawingml/2011/main" val="1"/>
             </a:ext>
           </a:extLst>
         </p:spPr>
@@ -4649,8 +4649,8 @@
         </p:nvSpPr>
         <p:spPr>
           <a:xfrm>
-            <a:off x="685800" y="1700808"/>
-            <a:ext cx="7772400" cy="1143000"/>
+            <a:off x="685800" y="1538387"/>
+            <a:ext cx="7772400" cy="2185392"/>
           </a:xfrm>
         </p:spPr>
         <p:txBody>
@@ -4665,13 +4665,21 @@
                 <a:spcPts val="300"/>
               </a:spcAft>
             </a:pPr>
-            <a:r>
+            <a:br>
               <a:rPr lang="en-US" b="1" dirty="0">
                 <a:effectLst/>
                 <a:latin typeface="Helvetica" pitchFamily="2" charset="0"/>
                 <a:ea typeface="Times New Roman" panose="02020603050405020304" pitchFamily="18" charset="0"/>
                 <a:cs typeface="Times New Roman" panose="02020603050405020304" pitchFamily="18" charset="0"/>
               </a:rPr>
+            </a:br>
+            <a:r>
+              <a:rPr lang="en-US" b="1" dirty="0">
+                <a:effectLst/>
+                <a:latin typeface="Helvetica" pitchFamily="2" charset="0"/>
+                <a:ea typeface="Times New Roman" panose="02020603050405020304" pitchFamily="18" charset="0"/>
+                <a:cs typeface="Times New Roman" panose="02020603050405020304" pitchFamily="18" charset="0"/>
+              </a:rPr>
               <a:t>Data Management and System Optimization Techniques: A Comparative Study</a:t>
             </a:r>
           </a:p>
@@ -4687,7 +4695,12 @@
             <p:ph type="subTitle" idx="1"/>
           </p:nvPr>
         </p:nvSpPr>
-        <p:spPr/>
+        <p:spPr>
+          <a:xfrm>
+            <a:off x="350350" y="4163764"/>
+            <a:ext cx="8134672" cy="1752600"/>
+          </a:xfrm>
+        </p:spPr>
         <p:txBody>
           <a:bodyPr/>
           <a:lstStyle/>
@@ -4702,6 +4715,9 @@
               <a:rPr lang="en-US" dirty="0"/>
               <a:t>11685261</a:t>
             </a:r>
+          </a:p>
+          <a:p>
+            <a:endParaRPr lang="en-US" dirty="0"/>
           </a:p>
         </p:txBody>
       </p:sp>
@@ -4759,6 +4775,44 @@
               <a:t>1</a:t>
             </a:fld>
             <a:endParaRPr lang="en-US"/>
+          </a:p>
+        </p:txBody>
+      </p:sp>
+      <p:sp>
+        <p:nvSpPr>
+          <p:cNvPr id="4" name="TextBox 3">
+            <a:extLst>
+              <a:ext uri="{FF2B5EF4-FFF2-40B4-BE49-F238E27FC236}">
+                <a16:creationId xmlns:a16="http://schemas.microsoft.com/office/drawing/2014/main" id="{EF7CB8D8-6E25-C118-E056-F3F86BAD36B9}"/>
+              </a:ext>
+            </a:extLst>
+          </p:cNvPr>
+          <p:cNvSpPr txBox="1"/>
+          <p:nvPr/>
+        </p:nvSpPr>
+        <p:spPr>
+          <a:xfrm>
+            <a:off x="450519" y="1441311"/>
+            <a:ext cx="8242962" cy="830997"/>
+          </a:xfrm>
+          <a:prstGeom prst="rect">
+            <a:avLst/>
+          </a:prstGeom>
+          <a:noFill/>
+        </p:spPr>
+        <p:txBody>
+          <a:bodyPr wrap="none" rtlCol="0">
+            <a:spAutoFit/>
+          </a:bodyPr>
+          <a:lstStyle/>
+          <a:p>
+            <a:r>
+              <a:rPr lang="en-US" b="1" dirty="0"/>
+              <a:t>CSCE 5370: Distributed and Parallel Database Systems</a:t>
+            </a:r>
+          </a:p>
+          <a:p>
+            <a:endParaRPr lang="en-US" dirty="0"/>
           </a:p>
         </p:txBody>
       </p:sp>
